--- a/FFPM/FFPM 295.pptx
+++ b/FFPM/FFPM 295.pptx
@@ -112,6 +112,11 @@
       </a:defRPr>
     </a:lvl9pPr>
   </p:defaultTextStyle>
+  <p:extLst>
+    <p:ext uri="{EFAFB233-063F-42B5-8137-9DF3F51BA10A}">
+      <p15:sldGuideLst xmlns:p15="http://schemas.microsoft.com/office/powerpoint/2012/main"/>
+    </p:ext>
+  </p:extLst>
 </p:presentation>
 </file>
 
@@ -137,7 +142,7 @@
           <p:cNvPr id="2" name="Titre 1">
             <a:extLst>
               <a:ext uri="{FF2B5EF4-FFF2-40B4-BE49-F238E27FC236}">
-                <a16:creationId xmlns:a16="http://schemas.microsoft.com/office/drawing/2014/main" id="{3ABA9D0F-81CE-5A6A-D83F-4EA0DECFF02D}"/>
+                <a16:creationId xmlns:a16="http://schemas.microsoft.com/office/drawing/2014/main" xmlns="" id="{3ABA9D0F-81CE-5A6A-D83F-4EA0DECFF02D}"/>
               </a:ext>
             </a:extLst>
           </p:cNvPr>
@@ -174,7 +179,7 @@
           <p:cNvPr id="3" name="Sous-titre 2">
             <a:extLst>
               <a:ext uri="{FF2B5EF4-FFF2-40B4-BE49-F238E27FC236}">
-                <a16:creationId xmlns:a16="http://schemas.microsoft.com/office/drawing/2014/main" id="{7B7F8B24-3817-44CE-918C-2392ACB6A60D}"/>
+                <a16:creationId xmlns:a16="http://schemas.microsoft.com/office/drawing/2014/main" xmlns="" id="{7B7F8B24-3817-44CE-918C-2392ACB6A60D}"/>
               </a:ext>
             </a:extLst>
           </p:cNvPr>
@@ -244,7 +249,7 @@
           <p:cNvPr id="4" name="Espace réservé de la date 3">
             <a:extLst>
               <a:ext uri="{FF2B5EF4-FFF2-40B4-BE49-F238E27FC236}">
-                <a16:creationId xmlns:a16="http://schemas.microsoft.com/office/drawing/2014/main" id="{817AC1C0-CFFC-8220-E908-9A49B5560134}"/>
+                <a16:creationId xmlns:a16="http://schemas.microsoft.com/office/drawing/2014/main" xmlns="" id="{817AC1C0-CFFC-8220-E908-9A49B5560134}"/>
               </a:ext>
             </a:extLst>
           </p:cNvPr>
@@ -262,7 +267,7 @@
           <a:p>
             <a:fld id="{0649AEE2-25F3-40A2-B834-50D879533183}" type="datetimeFigureOut">
               <a:rPr lang="fr-FR" smtClean="0"/>
-              <a:t>17/06/2023</a:t>
+              <a:t>03/08/2025</a:t>
             </a:fld>
             <a:endParaRPr lang="fr-FR"/>
           </a:p>
@@ -273,7 +278,7 @@
           <p:cNvPr id="5" name="Espace réservé du pied de page 4">
             <a:extLst>
               <a:ext uri="{FF2B5EF4-FFF2-40B4-BE49-F238E27FC236}">
-                <a16:creationId xmlns:a16="http://schemas.microsoft.com/office/drawing/2014/main" id="{4F33A148-9C4D-6818-772D-E6E04FEA74E4}"/>
+                <a16:creationId xmlns:a16="http://schemas.microsoft.com/office/drawing/2014/main" xmlns="" id="{4F33A148-9C4D-6818-772D-E6E04FEA74E4}"/>
               </a:ext>
             </a:extLst>
           </p:cNvPr>
@@ -298,7 +303,7 @@
           <p:cNvPr id="6" name="Espace réservé du numéro de diapositive 5">
             <a:extLst>
               <a:ext uri="{FF2B5EF4-FFF2-40B4-BE49-F238E27FC236}">
-                <a16:creationId xmlns:a16="http://schemas.microsoft.com/office/drawing/2014/main" id="{3ED7480D-9BEF-00BA-B096-DD2976CDAC39}"/>
+                <a16:creationId xmlns:a16="http://schemas.microsoft.com/office/drawing/2014/main" xmlns="" id="{3ED7480D-9BEF-00BA-B096-DD2976CDAC39}"/>
               </a:ext>
             </a:extLst>
           </p:cNvPr>
@@ -357,7 +362,7 @@
           <p:cNvPr id="2" name="Titre 1">
             <a:extLst>
               <a:ext uri="{FF2B5EF4-FFF2-40B4-BE49-F238E27FC236}">
-                <a16:creationId xmlns:a16="http://schemas.microsoft.com/office/drawing/2014/main" id="{C3A21BFC-E747-4B73-3B69-43B19498514D}"/>
+                <a16:creationId xmlns:a16="http://schemas.microsoft.com/office/drawing/2014/main" xmlns="" id="{C3A21BFC-E747-4B73-3B69-43B19498514D}"/>
               </a:ext>
             </a:extLst>
           </p:cNvPr>
@@ -385,7 +390,7 @@
           <p:cNvPr id="3" name="Espace réservé du texte vertical 2">
             <a:extLst>
               <a:ext uri="{FF2B5EF4-FFF2-40B4-BE49-F238E27FC236}">
-                <a16:creationId xmlns:a16="http://schemas.microsoft.com/office/drawing/2014/main" id="{01DD55FD-6FAB-A79E-715A-C0C9A47C01F0}"/>
+                <a16:creationId xmlns:a16="http://schemas.microsoft.com/office/drawing/2014/main" xmlns="" id="{01DD55FD-6FAB-A79E-715A-C0C9A47C01F0}"/>
               </a:ext>
             </a:extLst>
           </p:cNvPr>
@@ -442,7 +447,7 @@
           <p:cNvPr id="4" name="Espace réservé de la date 3">
             <a:extLst>
               <a:ext uri="{FF2B5EF4-FFF2-40B4-BE49-F238E27FC236}">
-                <a16:creationId xmlns:a16="http://schemas.microsoft.com/office/drawing/2014/main" id="{3FA2B14E-A7F6-77D0-7889-3F487B5B0DE1}"/>
+                <a16:creationId xmlns:a16="http://schemas.microsoft.com/office/drawing/2014/main" xmlns="" id="{3FA2B14E-A7F6-77D0-7889-3F487B5B0DE1}"/>
               </a:ext>
             </a:extLst>
           </p:cNvPr>
@@ -460,7 +465,7 @@
           <a:p>
             <a:fld id="{0649AEE2-25F3-40A2-B834-50D879533183}" type="datetimeFigureOut">
               <a:rPr lang="fr-FR" smtClean="0"/>
-              <a:t>17/06/2023</a:t>
+              <a:t>03/08/2025</a:t>
             </a:fld>
             <a:endParaRPr lang="fr-FR"/>
           </a:p>
@@ -471,7 +476,7 @@
           <p:cNvPr id="5" name="Espace réservé du pied de page 4">
             <a:extLst>
               <a:ext uri="{FF2B5EF4-FFF2-40B4-BE49-F238E27FC236}">
-                <a16:creationId xmlns:a16="http://schemas.microsoft.com/office/drawing/2014/main" id="{9C578D54-FB3F-F7CE-8450-226162F348B0}"/>
+                <a16:creationId xmlns:a16="http://schemas.microsoft.com/office/drawing/2014/main" xmlns="" id="{9C578D54-FB3F-F7CE-8450-226162F348B0}"/>
               </a:ext>
             </a:extLst>
           </p:cNvPr>
@@ -496,7 +501,7 @@
           <p:cNvPr id="6" name="Espace réservé du numéro de diapositive 5">
             <a:extLst>
               <a:ext uri="{FF2B5EF4-FFF2-40B4-BE49-F238E27FC236}">
-                <a16:creationId xmlns:a16="http://schemas.microsoft.com/office/drawing/2014/main" id="{A753913C-6EF1-2DCC-AFDB-6154AD143B98}"/>
+                <a16:creationId xmlns:a16="http://schemas.microsoft.com/office/drawing/2014/main" xmlns="" id="{A753913C-6EF1-2DCC-AFDB-6154AD143B98}"/>
               </a:ext>
             </a:extLst>
           </p:cNvPr>
@@ -555,7 +560,7 @@
           <p:cNvPr id="2" name="Titre vertical 1">
             <a:extLst>
               <a:ext uri="{FF2B5EF4-FFF2-40B4-BE49-F238E27FC236}">
-                <a16:creationId xmlns:a16="http://schemas.microsoft.com/office/drawing/2014/main" id="{C462AA47-3B84-23C0-A892-CE68ECDC16B7}"/>
+                <a16:creationId xmlns:a16="http://schemas.microsoft.com/office/drawing/2014/main" xmlns="" id="{C462AA47-3B84-23C0-A892-CE68ECDC16B7}"/>
               </a:ext>
             </a:extLst>
           </p:cNvPr>
@@ -588,7 +593,7 @@
           <p:cNvPr id="3" name="Espace réservé du texte vertical 2">
             <a:extLst>
               <a:ext uri="{FF2B5EF4-FFF2-40B4-BE49-F238E27FC236}">
-                <a16:creationId xmlns:a16="http://schemas.microsoft.com/office/drawing/2014/main" id="{42ACAF2E-5757-1FCE-6A91-D93FD6C9E4A4}"/>
+                <a16:creationId xmlns:a16="http://schemas.microsoft.com/office/drawing/2014/main" xmlns="" id="{42ACAF2E-5757-1FCE-6A91-D93FD6C9E4A4}"/>
               </a:ext>
             </a:extLst>
           </p:cNvPr>
@@ -650,7 +655,7 @@
           <p:cNvPr id="4" name="Espace réservé de la date 3">
             <a:extLst>
               <a:ext uri="{FF2B5EF4-FFF2-40B4-BE49-F238E27FC236}">
-                <a16:creationId xmlns:a16="http://schemas.microsoft.com/office/drawing/2014/main" id="{6B37C76A-8E68-E75E-DFCC-3A7551BB8843}"/>
+                <a16:creationId xmlns:a16="http://schemas.microsoft.com/office/drawing/2014/main" xmlns="" id="{6B37C76A-8E68-E75E-DFCC-3A7551BB8843}"/>
               </a:ext>
             </a:extLst>
           </p:cNvPr>
@@ -668,7 +673,7 @@
           <a:p>
             <a:fld id="{0649AEE2-25F3-40A2-B834-50D879533183}" type="datetimeFigureOut">
               <a:rPr lang="fr-FR" smtClean="0"/>
-              <a:t>17/06/2023</a:t>
+              <a:t>03/08/2025</a:t>
             </a:fld>
             <a:endParaRPr lang="fr-FR"/>
           </a:p>
@@ -679,7 +684,7 @@
           <p:cNvPr id="5" name="Espace réservé du pied de page 4">
             <a:extLst>
               <a:ext uri="{FF2B5EF4-FFF2-40B4-BE49-F238E27FC236}">
-                <a16:creationId xmlns:a16="http://schemas.microsoft.com/office/drawing/2014/main" id="{C6E617E7-57A4-704F-2CF7-94A74BE30B1E}"/>
+                <a16:creationId xmlns:a16="http://schemas.microsoft.com/office/drawing/2014/main" xmlns="" id="{C6E617E7-57A4-704F-2CF7-94A74BE30B1E}"/>
               </a:ext>
             </a:extLst>
           </p:cNvPr>
@@ -704,7 +709,7 @@
           <p:cNvPr id="6" name="Espace réservé du numéro de diapositive 5">
             <a:extLst>
               <a:ext uri="{FF2B5EF4-FFF2-40B4-BE49-F238E27FC236}">
-                <a16:creationId xmlns:a16="http://schemas.microsoft.com/office/drawing/2014/main" id="{BE3EDF22-4C26-62CD-E896-E0D0324938ED}"/>
+                <a16:creationId xmlns:a16="http://schemas.microsoft.com/office/drawing/2014/main" xmlns="" id="{BE3EDF22-4C26-62CD-E896-E0D0324938ED}"/>
               </a:ext>
             </a:extLst>
           </p:cNvPr>
@@ -763,7 +768,7 @@
           <p:cNvPr id="2" name="Titre 1">
             <a:extLst>
               <a:ext uri="{FF2B5EF4-FFF2-40B4-BE49-F238E27FC236}">
-                <a16:creationId xmlns:a16="http://schemas.microsoft.com/office/drawing/2014/main" id="{F9665ED7-F307-F046-D8C1-42A0EB1EC94B}"/>
+                <a16:creationId xmlns:a16="http://schemas.microsoft.com/office/drawing/2014/main" xmlns="" id="{F9665ED7-F307-F046-D8C1-42A0EB1EC94B}"/>
               </a:ext>
             </a:extLst>
           </p:cNvPr>
@@ -791,7 +796,7 @@
           <p:cNvPr id="3" name="Espace réservé du contenu 2">
             <a:extLst>
               <a:ext uri="{FF2B5EF4-FFF2-40B4-BE49-F238E27FC236}">
-                <a16:creationId xmlns:a16="http://schemas.microsoft.com/office/drawing/2014/main" id="{82D83ED9-C089-B268-54D9-B1D419EF9115}"/>
+                <a16:creationId xmlns:a16="http://schemas.microsoft.com/office/drawing/2014/main" xmlns="" id="{82D83ED9-C089-B268-54D9-B1D419EF9115}"/>
               </a:ext>
             </a:extLst>
           </p:cNvPr>
@@ -848,7 +853,7 @@
           <p:cNvPr id="4" name="Espace réservé de la date 3">
             <a:extLst>
               <a:ext uri="{FF2B5EF4-FFF2-40B4-BE49-F238E27FC236}">
-                <a16:creationId xmlns:a16="http://schemas.microsoft.com/office/drawing/2014/main" id="{DEA90945-1A69-1AA5-F650-C2BA5F0A12A7}"/>
+                <a16:creationId xmlns:a16="http://schemas.microsoft.com/office/drawing/2014/main" xmlns="" id="{DEA90945-1A69-1AA5-F650-C2BA5F0A12A7}"/>
               </a:ext>
             </a:extLst>
           </p:cNvPr>
@@ -866,7 +871,7 @@
           <a:p>
             <a:fld id="{0649AEE2-25F3-40A2-B834-50D879533183}" type="datetimeFigureOut">
               <a:rPr lang="fr-FR" smtClean="0"/>
-              <a:t>17/06/2023</a:t>
+              <a:t>03/08/2025</a:t>
             </a:fld>
             <a:endParaRPr lang="fr-FR"/>
           </a:p>
@@ -877,7 +882,7 @@
           <p:cNvPr id="5" name="Espace réservé du pied de page 4">
             <a:extLst>
               <a:ext uri="{FF2B5EF4-FFF2-40B4-BE49-F238E27FC236}">
-                <a16:creationId xmlns:a16="http://schemas.microsoft.com/office/drawing/2014/main" id="{15E2C8B6-8FD5-9E06-F53A-7AE94703292E}"/>
+                <a16:creationId xmlns:a16="http://schemas.microsoft.com/office/drawing/2014/main" xmlns="" id="{15E2C8B6-8FD5-9E06-F53A-7AE94703292E}"/>
               </a:ext>
             </a:extLst>
           </p:cNvPr>
@@ -902,7 +907,7 @@
           <p:cNvPr id="6" name="Espace réservé du numéro de diapositive 5">
             <a:extLst>
               <a:ext uri="{FF2B5EF4-FFF2-40B4-BE49-F238E27FC236}">
-                <a16:creationId xmlns:a16="http://schemas.microsoft.com/office/drawing/2014/main" id="{59E59BEC-61AA-44E2-7777-8396E34B3359}"/>
+                <a16:creationId xmlns:a16="http://schemas.microsoft.com/office/drawing/2014/main" xmlns="" id="{59E59BEC-61AA-44E2-7777-8396E34B3359}"/>
               </a:ext>
             </a:extLst>
           </p:cNvPr>
@@ -961,7 +966,7 @@
           <p:cNvPr id="2" name="Titre 1">
             <a:extLst>
               <a:ext uri="{FF2B5EF4-FFF2-40B4-BE49-F238E27FC236}">
-                <a16:creationId xmlns:a16="http://schemas.microsoft.com/office/drawing/2014/main" id="{0494028D-8B74-52BC-5689-A13DA7B298F6}"/>
+                <a16:creationId xmlns:a16="http://schemas.microsoft.com/office/drawing/2014/main" xmlns="" id="{0494028D-8B74-52BC-5689-A13DA7B298F6}"/>
               </a:ext>
             </a:extLst>
           </p:cNvPr>
@@ -998,7 +1003,7 @@
           <p:cNvPr id="3" name="Espace réservé du texte 2">
             <a:extLst>
               <a:ext uri="{FF2B5EF4-FFF2-40B4-BE49-F238E27FC236}">
-                <a16:creationId xmlns:a16="http://schemas.microsoft.com/office/drawing/2014/main" id="{6A5E6636-7929-750C-372E-09344370CB16}"/>
+                <a16:creationId xmlns:a16="http://schemas.microsoft.com/office/drawing/2014/main" xmlns="" id="{6A5E6636-7929-750C-372E-09344370CB16}"/>
               </a:ext>
             </a:extLst>
           </p:cNvPr>
@@ -1123,7 +1128,7 @@
           <p:cNvPr id="4" name="Espace réservé de la date 3">
             <a:extLst>
               <a:ext uri="{FF2B5EF4-FFF2-40B4-BE49-F238E27FC236}">
-                <a16:creationId xmlns:a16="http://schemas.microsoft.com/office/drawing/2014/main" id="{17924397-668D-8A11-12A4-49BF85806BC8}"/>
+                <a16:creationId xmlns:a16="http://schemas.microsoft.com/office/drawing/2014/main" xmlns="" id="{17924397-668D-8A11-12A4-49BF85806BC8}"/>
               </a:ext>
             </a:extLst>
           </p:cNvPr>
@@ -1141,7 +1146,7 @@
           <a:p>
             <a:fld id="{0649AEE2-25F3-40A2-B834-50D879533183}" type="datetimeFigureOut">
               <a:rPr lang="fr-FR" smtClean="0"/>
-              <a:t>17/06/2023</a:t>
+              <a:t>03/08/2025</a:t>
             </a:fld>
             <a:endParaRPr lang="fr-FR"/>
           </a:p>
@@ -1152,7 +1157,7 @@
           <p:cNvPr id="5" name="Espace réservé du pied de page 4">
             <a:extLst>
               <a:ext uri="{FF2B5EF4-FFF2-40B4-BE49-F238E27FC236}">
-                <a16:creationId xmlns:a16="http://schemas.microsoft.com/office/drawing/2014/main" id="{F03E925A-DFF7-D79C-7323-BF0B26124CAA}"/>
+                <a16:creationId xmlns:a16="http://schemas.microsoft.com/office/drawing/2014/main" xmlns="" id="{F03E925A-DFF7-D79C-7323-BF0B26124CAA}"/>
               </a:ext>
             </a:extLst>
           </p:cNvPr>
@@ -1177,7 +1182,7 @@
           <p:cNvPr id="6" name="Espace réservé du numéro de diapositive 5">
             <a:extLst>
               <a:ext uri="{FF2B5EF4-FFF2-40B4-BE49-F238E27FC236}">
-                <a16:creationId xmlns:a16="http://schemas.microsoft.com/office/drawing/2014/main" id="{BDDF8EF9-8102-0F16-5284-0F4CD57AB503}"/>
+                <a16:creationId xmlns:a16="http://schemas.microsoft.com/office/drawing/2014/main" xmlns="" id="{BDDF8EF9-8102-0F16-5284-0F4CD57AB503}"/>
               </a:ext>
             </a:extLst>
           </p:cNvPr>
@@ -1236,7 +1241,7 @@
           <p:cNvPr id="2" name="Titre 1">
             <a:extLst>
               <a:ext uri="{FF2B5EF4-FFF2-40B4-BE49-F238E27FC236}">
-                <a16:creationId xmlns:a16="http://schemas.microsoft.com/office/drawing/2014/main" id="{8354C597-5085-D6E6-FCDB-332CD0647771}"/>
+                <a16:creationId xmlns:a16="http://schemas.microsoft.com/office/drawing/2014/main" xmlns="" id="{8354C597-5085-D6E6-FCDB-332CD0647771}"/>
               </a:ext>
             </a:extLst>
           </p:cNvPr>
@@ -1264,7 +1269,7 @@
           <p:cNvPr id="3" name="Espace réservé du contenu 2">
             <a:extLst>
               <a:ext uri="{FF2B5EF4-FFF2-40B4-BE49-F238E27FC236}">
-                <a16:creationId xmlns:a16="http://schemas.microsoft.com/office/drawing/2014/main" id="{6887EB97-0E45-BF3E-88B5-5CF7DF3F8050}"/>
+                <a16:creationId xmlns:a16="http://schemas.microsoft.com/office/drawing/2014/main" xmlns="" id="{6887EB97-0E45-BF3E-88B5-5CF7DF3F8050}"/>
               </a:ext>
             </a:extLst>
           </p:cNvPr>
@@ -1326,7 +1331,7 @@
           <p:cNvPr id="4" name="Espace réservé du contenu 3">
             <a:extLst>
               <a:ext uri="{FF2B5EF4-FFF2-40B4-BE49-F238E27FC236}">
-                <a16:creationId xmlns:a16="http://schemas.microsoft.com/office/drawing/2014/main" id="{5A61CE38-AF6B-1CF6-8E58-E9CCD3B0D234}"/>
+                <a16:creationId xmlns:a16="http://schemas.microsoft.com/office/drawing/2014/main" xmlns="" id="{5A61CE38-AF6B-1CF6-8E58-E9CCD3B0D234}"/>
               </a:ext>
             </a:extLst>
           </p:cNvPr>
@@ -1388,7 +1393,7 @@
           <p:cNvPr id="5" name="Espace réservé de la date 4">
             <a:extLst>
               <a:ext uri="{FF2B5EF4-FFF2-40B4-BE49-F238E27FC236}">
-                <a16:creationId xmlns:a16="http://schemas.microsoft.com/office/drawing/2014/main" id="{A9BFBF19-A290-4DFF-FEC9-9D69B0C5C5FD}"/>
+                <a16:creationId xmlns:a16="http://schemas.microsoft.com/office/drawing/2014/main" xmlns="" id="{A9BFBF19-A290-4DFF-FEC9-9D69B0C5C5FD}"/>
               </a:ext>
             </a:extLst>
           </p:cNvPr>
@@ -1406,7 +1411,7 @@
           <a:p>
             <a:fld id="{0649AEE2-25F3-40A2-B834-50D879533183}" type="datetimeFigureOut">
               <a:rPr lang="fr-FR" smtClean="0"/>
-              <a:t>17/06/2023</a:t>
+              <a:t>03/08/2025</a:t>
             </a:fld>
             <a:endParaRPr lang="fr-FR"/>
           </a:p>
@@ -1417,7 +1422,7 @@
           <p:cNvPr id="6" name="Espace réservé du pied de page 5">
             <a:extLst>
               <a:ext uri="{FF2B5EF4-FFF2-40B4-BE49-F238E27FC236}">
-                <a16:creationId xmlns:a16="http://schemas.microsoft.com/office/drawing/2014/main" id="{122CA143-992F-0522-4862-B00E0505D96E}"/>
+                <a16:creationId xmlns:a16="http://schemas.microsoft.com/office/drawing/2014/main" xmlns="" id="{122CA143-992F-0522-4862-B00E0505D96E}"/>
               </a:ext>
             </a:extLst>
           </p:cNvPr>
@@ -1442,7 +1447,7 @@
           <p:cNvPr id="7" name="Espace réservé du numéro de diapositive 6">
             <a:extLst>
               <a:ext uri="{FF2B5EF4-FFF2-40B4-BE49-F238E27FC236}">
-                <a16:creationId xmlns:a16="http://schemas.microsoft.com/office/drawing/2014/main" id="{0AA834DA-5A2C-CDCA-EFE5-91AB1A3B15B6}"/>
+                <a16:creationId xmlns:a16="http://schemas.microsoft.com/office/drawing/2014/main" xmlns="" id="{0AA834DA-5A2C-CDCA-EFE5-91AB1A3B15B6}"/>
               </a:ext>
             </a:extLst>
           </p:cNvPr>
@@ -1501,7 +1506,7 @@
           <p:cNvPr id="2" name="Titre 1">
             <a:extLst>
               <a:ext uri="{FF2B5EF4-FFF2-40B4-BE49-F238E27FC236}">
-                <a16:creationId xmlns:a16="http://schemas.microsoft.com/office/drawing/2014/main" id="{156B86AB-A6EF-A50B-52F9-6B3B6C54AEEB}"/>
+                <a16:creationId xmlns:a16="http://schemas.microsoft.com/office/drawing/2014/main" xmlns="" id="{156B86AB-A6EF-A50B-52F9-6B3B6C54AEEB}"/>
               </a:ext>
             </a:extLst>
           </p:cNvPr>
@@ -1534,7 +1539,7 @@
           <p:cNvPr id="3" name="Espace réservé du texte 2">
             <a:extLst>
               <a:ext uri="{FF2B5EF4-FFF2-40B4-BE49-F238E27FC236}">
-                <a16:creationId xmlns:a16="http://schemas.microsoft.com/office/drawing/2014/main" id="{54567DBC-B762-E89B-013B-C3F4D0482A3D}"/>
+                <a16:creationId xmlns:a16="http://schemas.microsoft.com/office/drawing/2014/main" xmlns="" id="{54567DBC-B762-E89B-013B-C3F4D0482A3D}"/>
               </a:ext>
             </a:extLst>
           </p:cNvPr>
@@ -1605,7 +1610,7 @@
           <p:cNvPr id="4" name="Espace réservé du contenu 3">
             <a:extLst>
               <a:ext uri="{FF2B5EF4-FFF2-40B4-BE49-F238E27FC236}">
-                <a16:creationId xmlns:a16="http://schemas.microsoft.com/office/drawing/2014/main" id="{2374871D-968C-5C89-10E8-3DB85177D471}"/>
+                <a16:creationId xmlns:a16="http://schemas.microsoft.com/office/drawing/2014/main" xmlns="" id="{2374871D-968C-5C89-10E8-3DB85177D471}"/>
               </a:ext>
             </a:extLst>
           </p:cNvPr>
@@ -1667,7 +1672,7 @@
           <p:cNvPr id="5" name="Espace réservé du texte 4">
             <a:extLst>
               <a:ext uri="{FF2B5EF4-FFF2-40B4-BE49-F238E27FC236}">
-                <a16:creationId xmlns:a16="http://schemas.microsoft.com/office/drawing/2014/main" id="{BFF54FB1-9394-604E-7B39-192C11C98FEE}"/>
+                <a16:creationId xmlns:a16="http://schemas.microsoft.com/office/drawing/2014/main" xmlns="" id="{BFF54FB1-9394-604E-7B39-192C11C98FEE}"/>
               </a:ext>
             </a:extLst>
           </p:cNvPr>
@@ -1738,7 +1743,7 @@
           <p:cNvPr id="6" name="Espace réservé du contenu 5">
             <a:extLst>
               <a:ext uri="{FF2B5EF4-FFF2-40B4-BE49-F238E27FC236}">
-                <a16:creationId xmlns:a16="http://schemas.microsoft.com/office/drawing/2014/main" id="{EDF8AC5D-EA29-330C-9A4C-25E9E9A57636}"/>
+                <a16:creationId xmlns:a16="http://schemas.microsoft.com/office/drawing/2014/main" xmlns="" id="{EDF8AC5D-EA29-330C-9A4C-25E9E9A57636}"/>
               </a:ext>
             </a:extLst>
           </p:cNvPr>
@@ -1800,7 +1805,7 @@
           <p:cNvPr id="7" name="Espace réservé de la date 6">
             <a:extLst>
               <a:ext uri="{FF2B5EF4-FFF2-40B4-BE49-F238E27FC236}">
-                <a16:creationId xmlns:a16="http://schemas.microsoft.com/office/drawing/2014/main" id="{E8AED3D9-6B80-2FF7-402A-8B644C3C7D93}"/>
+                <a16:creationId xmlns:a16="http://schemas.microsoft.com/office/drawing/2014/main" xmlns="" id="{E8AED3D9-6B80-2FF7-402A-8B644C3C7D93}"/>
               </a:ext>
             </a:extLst>
           </p:cNvPr>
@@ -1818,7 +1823,7 @@
           <a:p>
             <a:fld id="{0649AEE2-25F3-40A2-B834-50D879533183}" type="datetimeFigureOut">
               <a:rPr lang="fr-FR" smtClean="0"/>
-              <a:t>17/06/2023</a:t>
+              <a:t>03/08/2025</a:t>
             </a:fld>
             <a:endParaRPr lang="fr-FR"/>
           </a:p>
@@ -1829,7 +1834,7 @@
           <p:cNvPr id="8" name="Espace réservé du pied de page 7">
             <a:extLst>
               <a:ext uri="{FF2B5EF4-FFF2-40B4-BE49-F238E27FC236}">
-                <a16:creationId xmlns:a16="http://schemas.microsoft.com/office/drawing/2014/main" id="{583B5419-1517-DEB6-35C0-8242A963F27C}"/>
+                <a16:creationId xmlns:a16="http://schemas.microsoft.com/office/drawing/2014/main" xmlns="" id="{583B5419-1517-DEB6-35C0-8242A963F27C}"/>
               </a:ext>
             </a:extLst>
           </p:cNvPr>
@@ -1854,7 +1859,7 @@
           <p:cNvPr id="9" name="Espace réservé du numéro de diapositive 8">
             <a:extLst>
               <a:ext uri="{FF2B5EF4-FFF2-40B4-BE49-F238E27FC236}">
-                <a16:creationId xmlns:a16="http://schemas.microsoft.com/office/drawing/2014/main" id="{890DFF68-E417-4BEB-23B0-3E64ECF3D893}"/>
+                <a16:creationId xmlns:a16="http://schemas.microsoft.com/office/drawing/2014/main" xmlns="" id="{890DFF68-E417-4BEB-23B0-3E64ECF3D893}"/>
               </a:ext>
             </a:extLst>
           </p:cNvPr>
@@ -1913,7 +1918,7 @@
           <p:cNvPr id="2" name="Titre 1">
             <a:extLst>
               <a:ext uri="{FF2B5EF4-FFF2-40B4-BE49-F238E27FC236}">
-                <a16:creationId xmlns:a16="http://schemas.microsoft.com/office/drawing/2014/main" id="{A85D5E7B-3336-D187-DFE5-EC3D0E344FAE}"/>
+                <a16:creationId xmlns:a16="http://schemas.microsoft.com/office/drawing/2014/main" xmlns="" id="{A85D5E7B-3336-D187-DFE5-EC3D0E344FAE}"/>
               </a:ext>
             </a:extLst>
           </p:cNvPr>
@@ -1941,7 +1946,7 @@
           <p:cNvPr id="3" name="Espace réservé de la date 2">
             <a:extLst>
               <a:ext uri="{FF2B5EF4-FFF2-40B4-BE49-F238E27FC236}">
-                <a16:creationId xmlns:a16="http://schemas.microsoft.com/office/drawing/2014/main" id="{03D78B20-1775-8D53-4A44-F2483FBC6C05}"/>
+                <a16:creationId xmlns:a16="http://schemas.microsoft.com/office/drawing/2014/main" xmlns="" id="{03D78B20-1775-8D53-4A44-F2483FBC6C05}"/>
               </a:ext>
             </a:extLst>
           </p:cNvPr>
@@ -1959,7 +1964,7 @@
           <a:p>
             <a:fld id="{0649AEE2-25F3-40A2-B834-50D879533183}" type="datetimeFigureOut">
               <a:rPr lang="fr-FR" smtClean="0"/>
-              <a:t>17/06/2023</a:t>
+              <a:t>03/08/2025</a:t>
             </a:fld>
             <a:endParaRPr lang="fr-FR"/>
           </a:p>
@@ -1970,7 +1975,7 @@
           <p:cNvPr id="4" name="Espace réservé du pied de page 3">
             <a:extLst>
               <a:ext uri="{FF2B5EF4-FFF2-40B4-BE49-F238E27FC236}">
-                <a16:creationId xmlns:a16="http://schemas.microsoft.com/office/drawing/2014/main" id="{DA8F8EC5-161E-5838-0375-B1973144E9FA}"/>
+                <a16:creationId xmlns:a16="http://schemas.microsoft.com/office/drawing/2014/main" xmlns="" id="{DA8F8EC5-161E-5838-0375-B1973144E9FA}"/>
               </a:ext>
             </a:extLst>
           </p:cNvPr>
@@ -1995,7 +2000,7 @@
           <p:cNvPr id="5" name="Espace réservé du numéro de diapositive 4">
             <a:extLst>
               <a:ext uri="{FF2B5EF4-FFF2-40B4-BE49-F238E27FC236}">
-                <a16:creationId xmlns:a16="http://schemas.microsoft.com/office/drawing/2014/main" id="{ABD2BE63-1C3A-92F4-1447-3DC96951D3A0}"/>
+                <a16:creationId xmlns:a16="http://schemas.microsoft.com/office/drawing/2014/main" xmlns="" id="{ABD2BE63-1C3A-92F4-1447-3DC96951D3A0}"/>
               </a:ext>
             </a:extLst>
           </p:cNvPr>
@@ -2054,7 +2059,7 @@
           <p:cNvPr id="2" name="Espace réservé de la date 1">
             <a:extLst>
               <a:ext uri="{FF2B5EF4-FFF2-40B4-BE49-F238E27FC236}">
-                <a16:creationId xmlns:a16="http://schemas.microsoft.com/office/drawing/2014/main" id="{7512A0FC-E104-B2E4-F431-D9E682858FC5}"/>
+                <a16:creationId xmlns:a16="http://schemas.microsoft.com/office/drawing/2014/main" xmlns="" id="{7512A0FC-E104-B2E4-F431-D9E682858FC5}"/>
               </a:ext>
             </a:extLst>
           </p:cNvPr>
@@ -2072,7 +2077,7 @@
           <a:p>
             <a:fld id="{0649AEE2-25F3-40A2-B834-50D879533183}" type="datetimeFigureOut">
               <a:rPr lang="fr-FR" smtClean="0"/>
-              <a:t>17/06/2023</a:t>
+              <a:t>03/08/2025</a:t>
             </a:fld>
             <a:endParaRPr lang="fr-FR"/>
           </a:p>
@@ -2083,7 +2088,7 @@
           <p:cNvPr id="3" name="Espace réservé du pied de page 2">
             <a:extLst>
               <a:ext uri="{FF2B5EF4-FFF2-40B4-BE49-F238E27FC236}">
-                <a16:creationId xmlns:a16="http://schemas.microsoft.com/office/drawing/2014/main" id="{EA40E24E-4A49-40BD-C693-260B2088AFDF}"/>
+                <a16:creationId xmlns:a16="http://schemas.microsoft.com/office/drawing/2014/main" xmlns="" id="{EA40E24E-4A49-40BD-C693-260B2088AFDF}"/>
               </a:ext>
             </a:extLst>
           </p:cNvPr>
@@ -2108,7 +2113,7 @@
           <p:cNvPr id="4" name="Espace réservé du numéro de diapositive 3">
             <a:extLst>
               <a:ext uri="{FF2B5EF4-FFF2-40B4-BE49-F238E27FC236}">
-                <a16:creationId xmlns:a16="http://schemas.microsoft.com/office/drawing/2014/main" id="{C4A77D82-7F0D-F055-9085-6D407EFE37AA}"/>
+                <a16:creationId xmlns:a16="http://schemas.microsoft.com/office/drawing/2014/main" xmlns="" id="{C4A77D82-7F0D-F055-9085-6D407EFE37AA}"/>
               </a:ext>
             </a:extLst>
           </p:cNvPr>
@@ -2167,7 +2172,7 @@
           <p:cNvPr id="2" name="Titre 1">
             <a:extLst>
               <a:ext uri="{FF2B5EF4-FFF2-40B4-BE49-F238E27FC236}">
-                <a16:creationId xmlns:a16="http://schemas.microsoft.com/office/drawing/2014/main" id="{A021F2D9-8B53-9020-0176-E0ACBF657114}"/>
+                <a16:creationId xmlns:a16="http://schemas.microsoft.com/office/drawing/2014/main" xmlns="" id="{A021F2D9-8B53-9020-0176-E0ACBF657114}"/>
               </a:ext>
             </a:extLst>
           </p:cNvPr>
@@ -2204,7 +2209,7 @@
           <p:cNvPr id="3" name="Espace réservé du contenu 2">
             <a:extLst>
               <a:ext uri="{FF2B5EF4-FFF2-40B4-BE49-F238E27FC236}">
-                <a16:creationId xmlns:a16="http://schemas.microsoft.com/office/drawing/2014/main" id="{18D27FDD-D0D5-28E9-EEB2-FF5B1E54F96E}"/>
+                <a16:creationId xmlns:a16="http://schemas.microsoft.com/office/drawing/2014/main" xmlns="" id="{18D27FDD-D0D5-28E9-EEB2-FF5B1E54F96E}"/>
               </a:ext>
             </a:extLst>
           </p:cNvPr>
@@ -2294,7 +2299,7 @@
           <p:cNvPr id="4" name="Espace réservé du texte 3">
             <a:extLst>
               <a:ext uri="{FF2B5EF4-FFF2-40B4-BE49-F238E27FC236}">
-                <a16:creationId xmlns:a16="http://schemas.microsoft.com/office/drawing/2014/main" id="{E2D53D9C-419C-448E-7F59-B75D49BE56E2}"/>
+                <a16:creationId xmlns:a16="http://schemas.microsoft.com/office/drawing/2014/main" xmlns="" id="{E2D53D9C-419C-448E-7F59-B75D49BE56E2}"/>
               </a:ext>
             </a:extLst>
           </p:cNvPr>
@@ -2365,7 +2370,7 @@
           <p:cNvPr id="5" name="Espace réservé de la date 4">
             <a:extLst>
               <a:ext uri="{FF2B5EF4-FFF2-40B4-BE49-F238E27FC236}">
-                <a16:creationId xmlns:a16="http://schemas.microsoft.com/office/drawing/2014/main" id="{76C70322-7F6E-6550-5385-F174FA8A5F30}"/>
+                <a16:creationId xmlns:a16="http://schemas.microsoft.com/office/drawing/2014/main" xmlns="" id="{76C70322-7F6E-6550-5385-F174FA8A5F30}"/>
               </a:ext>
             </a:extLst>
           </p:cNvPr>
@@ -2383,7 +2388,7 @@
           <a:p>
             <a:fld id="{0649AEE2-25F3-40A2-B834-50D879533183}" type="datetimeFigureOut">
               <a:rPr lang="fr-FR" smtClean="0"/>
-              <a:t>17/06/2023</a:t>
+              <a:t>03/08/2025</a:t>
             </a:fld>
             <a:endParaRPr lang="fr-FR"/>
           </a:p>
@@ -2394,7 +2399,7 @@
           <p:cNvPr id="6" name="Espace réservé du pied de page 5">
             <a:extLst>
               <a:ext uri="{FF2B5EF4-FFF2-40B4-BE49-F238E27FC236}">
-                <a16:creationId xmlns:a16="http://schemas.microsoft.com/office/drawing/2014/main" id="{8063EDCC-0441-09B8-327B-BD66EEF1D4FA}"/>
+                <a16:creationId xmlns:a16="http://schemas.microsoft.com/office/drawing/2014/main" xmlns="" id="{8063EDCC-0441-09B8-327B-BD66EEF1D4FA}"/>
               </a:ext>
             </a:extLst>
           </p:cNvPr>
@@ -2419,7 +2424,7 @@
           <p:cNvPr id="7" name="Espace réservé du numéro de diapositive 6">
             <a:extLst>
               <a:ext uri="{FF2B5EF4-FFF2-40B4-BE49-F238E27FC236}">
-                <a16:creationId xmlns:a16="http://schemas.microsoft.com/office/drawing/2014/main" id="{382F3C28-D1FA-CC5B-22E6-31C4EB09C5B5}"/>
+                <a16:creationId xmlns:a16="http://schemas.microsoft.com/office/drawing/2014/main" xmlns="" id="{382F3C28-D1FA-CC5B-22E6-31C4EB09C5B5}"/>
               </a:ext>
             </a:extLst>
           </p:cNvPr>
@@ -2478,7 +2483,7 @@
           <p:cNvPr id="2" name="Titre 1">
             <a:extLst>
               <a:ext uri="{FF2B5EF4-FFF2-40B4-BE49-F238E27FC236}">
-                <a16:creationId xmlns:a16="http://schemas.microsoft.com/office/drawing/2014/main" id="{4948C11F-AF6B-7EEC-196C-09FF58259194}"/>
+                <a16:creationId xmlns:a16="http://schemas.microsoft.com/office/drawing/2014/main" xmlns="" id="{4948C11F-AF6B-7EEC-196C-09FF58259194}"/>
               </a:ext>
             </a:extLst>
           </p:cNvPr>
@@ -2515,7 +2520,7 @@
           <p:cNvPr id="3" name="Espace réservé pour une image  2">
             <a:extLst>
               <a:ext uri="{FF2B5EF4-FFF2-40B4-BE49-F238E27FC236}">
-                <a16:creationId xmlns:a16="http://schemas.microsoft.com/office/drawing/2014/main" id="{5D23C6D6-3FB4-14B3-4E42-76B2D402765C}"/>
+                <a16:creationId xmlns:a16="http://schemas.microsoft.com/office/drawing/2014/main" xmlns="" id="{5D23C6D6-3FB4-14B3-4E42-76B2D402765C}"/>
               </a:ext>
             </a:extLst>
           </p:cNvPr>
@@ -2582,7 +2587,7 @@
           <p:cNvPr id="4" name="Espace réservé du texte 3">
             <a:extLst>
               <a:ext uri="{FF2B5EF4-FFF2-40B4-BE49-F238E27FC236}">
-                <a16:creationId xmlns:a16="http://schemas.microsoft.com/office/drawing/2014/main" id="{AF81FAB3-9153-CF42-274C-5399773B4F48}"/>
+                <a16:creationId xmlns:a16="http://schemas.microsoft.com/office/drawing/2014/main" xmlns="" id="{AF81FAB3-9153-CF42-274C-5399773B4F48}"/>
               </a:ext>
             </a:extLst>
           </p:cNvPr>
@@ -2653,7 +2658,7 @@
           <p:cNvPr id="5" name="Espace réservé de la date 4">
             <a:extLst>
               <a:ext uri="{FF2B5EF4-FFF2-40B4-BE49-F238E27FC236}">
-                <a16:creationId xmlns:a16="http://schemas.microsoft.com/office/drawing/2014/main" id="{EB56D81D-B595-7E21-06DC-8EA2EE9FEB88}"/>
+                <a16:creationId xmlns:a16="http://schemas.microsoft.com/office/drawing/2014/main" xmlns="" id="{EB56D81D-B595-7E21-06DC-8EA2EE9FEB88}"/>
               </a:ext>
             </a:extLst>
           </p:cNvPr>
@@ -2671,7 +2676,7 @@
           <a:p>
             <a:fld id="{0649AEE2-25F3-40A2-B834-50D879533183}" type="datetimeFigureOut">
               <a:rPr lang="fr-FR" smtClean="0"/>
-              <a:t>17/06/2023</a:t>
+              <a:t>03/08/2025</a:t>
             </a:fld>
             <a:endParaRPr lang="fr-FR"/>
           </a:p>
@@ -2682,7 +2687,7 @@
           <p:cNvPr id="6" name="Espace réservé du pied de page 5">
             <a:extLst>
               <a:ext uri="{FF2B5EF4-FFF2-40B4-BE49-F238E27FC236}">
-                <a16:creationId xmlns:a16="http://schemas.microsoft.com/office/drawing/2014/main" id="{53487A87-BD5B-F20F-1C2B-4DF0089BF094}"/>
+                <a16:creationId xmlns:a16="http://schemas.microsoft.com/office/drawing/2014/main" xmlns="" id="{53487A87-BD5B-F20F-1C2B-4DF0089BF094}"/>
               </a:ext>
             </a:extLst>
           </p:cNvPr>
@@ -2707,7 +2712,7 @@
           <p:cNvPr id="7" name="Espace réservé du numéro de diapositive 6">
             <a:extLst>
               <a:ext uri="{FF2B5EF4-FFF2-40B4-BE49-F238E27FC236}">
-                <a16:creationId xmlns:a16="http://schemas.microsoft.com/office/drawing/2014/main" id="{8C7F98DA-D5DA-2121-ABB6-D85488259E46}"/>
+                <a16:creationId xmlns:a16="http://schemas.microsoft.com/office/drawing/2014/main" xmlns="" id="{8C7F98DA-D5DA-2121-ABB6-D85488259E46}"/>
               </a:ext>
             </a:extLst>
           </p:cNvPr>
@@ -2771,7 +2776,7 @@
           <p:cNvPr id="2" name="Espace réservé du titre 1">
             <a:extLst>
               <a:ext uri="{FF2B5EF4-FFF2-40B4-BE49-F238E27FC236}">
-                <a16:creationId xmlns:a16="http://schemas.microsoft.com/office/drawing/2014/main" id="{26900F53-0D7A-19A9-B26E-AF50032338ED}"/>
+                <a16:creationId xmlns:a16="http://schemas.microsoft.com/office/drawing/2014/main" xmlns="" id="{26900F53-0D7A-19A9-B26E-AF50032338ED}"/>
               </a:ext>
             </a:extLst>
           </p:cNvPr>
@@ -2809,7 +2814,7 @@
           <p:cNvPr id="3" name="Espace réservé du texte 2">
             <a:extLst>
               <a:ext uri="{FF2B5EF4-FFF2-40B4-BE49-F238E27FC236}">
-                <a16:creationId xmlns:a16="http://schemas.microsoft.com/office/drawing/2014/main" id="{B98BE385-0DD5-C2F4-F41C-6C6B51E082CF}"/>
+                <a16:creationId xmlns:a16="http://schemas.microsoft.com/office/drawing/2014/main" xmlns="" id="{B98BE385-0DD5-C2F4-F41C-6C6B51E082CF}"/>
               </a:ext>
             </a:extLst>
           </p:cNvPr>
@@ -2876,7 +2881,7 @@
           <p:cNvPr id="4" name="Espace réservé de la date 3">
             <a:extLst>
               <a:ext uri="{FF2B5EF4-FFF2-40B4-BE49-F238E27FC236}">
-                <a16:creationId xmlns:a16="http://schemas.microsoft.com/office/drawing/2014/main" id="{53A96D95-4478-C6AF-900C-A9F367FE517D}"/>
+                <a16:creationId xmlns:a16="http://schemas.microsoft.com/office/drawing/2014/main" xmlns="" id="{53A96D95-4478-C6AF-900C-A9F367FE517D}"/>
               </a:ext>
             </a:extLst>
           </p:cNvPr>
@@ -2912,7 +2917,7 @@
           <a:p>
             <a:fld id="{0649AEE2-25F3-40A2-B834-50D879533183}" type="datetimeFigureOut">
               <a:rPr lang="fr-FR" smtClean="0"/>
-              <a:t>17/06/2023</a:t>
+              <a:t>03/08/2025</a:t>
             </a:fld>
             <a:endParaRPr lang="fr-FR"/>
           </a:p>
@@ -2923,7 +2928,7 @@
           <p:cNvPr id="5" name="Espace réservé du pied de page 4">
             <a:extLst>
               <a:ext uri="{FF2B5EF4-FFF2-40B4-BE49-F238E27FC236}">
-                <a16:creationId xmlns:a16="http://schemas.microsoft.com/office/drawing/2014/main" id="{838E8911-C969-27B5-5223-FED59DB318C3}"/>
+                <a16:creationId xmlns:a16="http://schemas.microsoft.com/office/drawing/2014/main" xmlns="" id="{838E8911-C969-27B5-5223-FED59DB318C3}"/>
               </a:ext>
             </a:extLst>
           </p:cNvPr>
@@ -2966,7 +2971,7 @@
           <p:cNvPr id="6" name="Espace réservé du numéro de diapositive 5">
             <a:extLst>
               <a:ext uri="{FF2B5EF4-FFF2-40B4-BE49-F238E27FC236}">
-                <a16:creationId xmlns:a16="http://schemas.microsoft.com/office/drawing/2014/main" id="{5AC1776D-3DFE-A24C-4BB2-C788D58EDE68}"/>
+                <a16:creationId xmlns:a16="http://schemas.microsoft.com/office/drawing/2014/main" xmlns="" id="{5AC1776D-3DFE-A24C-4BB2-C788D58EDE68}"/>
               </a:ext>
             </a:extLst>
           </p:cNvPr>
@@ -3334,7 +3339,7 @@
           <p:cNvPr id="2" name="Titre 1">
             <a:extLst>
               <a:ext uri="{FF2B5EF4-FFF2-40B4-BE49-F238E27FC236}">
-                <a16:creationId xmlns:a16="http://schemas.microsoft.com/office/drawing/2014/main" id="{D2E37D52-14AE-ED5A-0795-AD5EF3F61D4F}"/>
+                <a16:creationId xmlns:a16="http://schemas.microsoft.com/office/drawing/2014/main" xmlns="" id="{D2E37D52-14AE-ED5A-0795-AD5EF3F61D4F}"/>
               </a:ext>
             </a:extLst>
           </p:cNvPr>
@@ -3366,7 +3371,7 @@
           <p:cNvPr id="3" name="Sous-titre 2">
             <a:extLst>
               <a:ext uri="{FF2B5EF4-FFF2-40B4-BE49-F238E27FC236}">
-                <a16:creationId xmlns:a16="http://schemas.microsoft.com/office/drawing/2014/main" id="{E815AD4C-FF4C-27A8-5990-05B4C339DD3D}"/>
+                <a16:creationId xmlns:a16="http://schemas.microsoft.com/office/drawing/2014/main" xmlns="" id="{E815AD4C-FF4C-27A8-5990-05B4C339DD3D}"/>
               </a:ext>
             </a:extLst>
           </p:cNvPr>
@@ -3421,7 +3426,7 @@
           <p:cNvPr id="5" name="ZoneTexte 4">
             <a:extLst>
               <a:ext uri="{FF2B5EF4-FFF2-40B4-BE49-F238E27FC236}">
-                <a16:creationId xmlns:a16="http://schemas.microsoft.com/office/drawing/2014/main" id="{358D4B83-FC02-D214-077C-D8BF713DDF94}"/>
+                <a16:creationId xmlns:a16="http://schemas.microsoft.com/office/drawing/2014/main" xmlns="" id="{358D4B83-FC02-D214-077C-D8BF713DDF94}"/>
               </a:ext>
             </a:extLst>
           </p:cNvPr>
@@ -3562,7 +3567,7 @@
           <p:cNvPr id="3" name="ZoneTexte 2">
             <a:extLst>
               <a:ext uri="{FF2B5EF4-FFF2-40B4-BE49-F238E27FC236}">
-                <a16:creationId xmlns:a16="http://schemas.microsoft.com/office/drawing/2014/main" id="{2AD904DD-A4E7-F1F1-7433-479FEEB660EC}"/>
+                <a16:creationId xmlns:a16="http://schemas.microsoft.com/office/drawing/2014/main" xmlns="" id="{2AD904DD-A4E7-F1F1-7433-479FEEB660EC}"/>
               </a:ext>
             </a:extLst>
           </p:cNvPr>
@@ -3707,7 +3712,7 @@
           <p:cNvPr id="3" name="ZoneTexte 2">
             <a:extLst>
               <a:ext uri="{FF2B5EF4-FFF2-40B4-BE49-F238E27FC236}">
-                <a16:creationId xmlns:a16="http://schemas.microsoft.com/office/drawing/2014/main" id="{10DE4FC9-5AEC-6675-7659-854F5473220A}"/>
+                <a16:creationId xmlns:a16="http://schemas.microsoft.com/office/drawing/2014/main" xmlns="" id="{10DE4FC9-5AEC-6675-7659-854F5473220A}"/>
               </a:ext>
             </a:extLst>
           </p:cNvPr>
@@ -3848,7 +3853,7 @@
           <p:cNvPr id="3" name="ZoneTexte 2">
             <a:extLst>
               <a:ext uri="{FF2B5EF4-FFF2-40B4-BE49-F238E27FC236}">
-                <a16:creationId xmlns:a16="http://schemas.microsoft.com/office/drawing/2014/main" id="{B5F7825A-95F2-5C52-A23B-1BB1C38696D8}"/>
+                <a16:creationId xmlns:a16="http://schemas.microsoft.com/office/drawing/2014/main" xmlns="" id="{B5F7825A-95F2-5C52-A23B-1BB1C38696D8}"/>
               </a:ext>
             </a:extLst>
           </p:cNvPr>
@@ -3978,7 +3983,7 @@
           <p:cNvPr id="3" name="ZoneTexte 2">
             <a:extLst>
               <a:ext uri="{FF2B5EF4-FFF2-40B4-BE49-F238E27FC236}">
-                <a16:creationId xmlns:a16="http://schemas.microsoft.com/office/drawing/2014/main" id="{2711AEA7-E929-6551-0639-9009C3D8C152}"/>
+                <a16:creationId xmlns:a16="http://schemas.microsoft.com/office/drawing/2014/main" xmlns="" id="{2711AEA7-E929-6551-0639-9009C3D8C152}"/>
               </a:ext>
             </a:extLst>
           </p:cNvPr>
@@ -4130,7 +4135,7 @@
           <p:cNvPr id="3" name="ZoneTexte 2">
             <a:extLst>
               <a:ext uri="{FF2B5EF4-FFF2-40B4-BE49-F238E27FC236}">
-                <a16:creationId xmlns:a16="http://schemas.microsoft.com/office/drawing/2014/main" id="{5F008E8A-405D-351C-8D0B-E6A25E3FAABD}"/>
+                <a16:creationId xmlns:a16="http://schemas.microsoft.com/office/drawing/2014/main" xmlns="" id="{5F008E8A-405D-351C-8D0B-E6A25E3FAABD}"/>
               </a:ext>
             </a:extLst>
           </p:cNvPr>
@@ -4307,7 +4312,7 @@
           <p:cNvPr id="3" name="ZoneTexte 2">
             <a:extLst>
               <a:ext uri="{FF2B5EF4-FFF2-40B4-BE49-F238E27FC236}">
-                <a16:creationId xmlns:a16="http://schemas.microsoft.com/office/drawing/2014/main" id="{705B6481-66C4-125C-EC6A-C4B8760BBEF2}"/>
+                <a16:creationId xmlns:a16="http://schemas.microsoft.com/office/drawing/2014/main" xmlns="" id="{705B6481-66C4-125C-EC6A-C4B8760BBEF2}"/>
               </a:ext>
             </a:extLst>
           </p:cNvPr>
@@ -4443,7 +4448,7 @@
           <p:cNvPr id="3" name="ZoneTexte 2">
             <a:extLst>
               <a:ext uri="{FF2B5EF4-FFF2-40B4-BE49-F238E27FC236}">
-                <a16:creationId xmlns:a16="http://schemas.microsoft.com/office/drawing/2014/main" id="{05467BDF-0E05-FD43-F585-8D2422D2EBD1}"/>
+                <a16:creationId xmlns:a16="http://schemas.microsoft.com/office/drawing/2014/main" xmlns="" id="{05467BDF-0E05-FD43-F585-8D2422D2EBD1}"/>
               </a:ext>
             </a:extLst>
           </p:cNvPr>
